--- a/Q12-NYISO-Network/Energise-result.pptx
+++ b/Q12-NYISO-Network/Energise-result.pptx
@@ -261,7 +261,7 @@
           <a:p>
             <a:fld id="{9D60FDD3-3AC9-FB42-8DB5-9B0E1A4649AE}" type="datetimeFigureOut">
               <a:rPr lang="en-US" smtClean="0"/>
-              <a:t>9/25/20</a:t>
+              <a:t>9/29/20</a:t>
             </a:fld>
             <a:endParaRPr lang="en-US"/>
           </a:p>
@@ -459,7 +459,7 @@
           <a:p>
             <a:fld id="{9D60FDD3-3AC9-FB42-8DB5-9B0E1A4649AE}" type="datetimeFigureOut">
               <a:rPr lang="en-US" smtClean="0"/>
-              <a:t>9/25/20</a:t>
+              <a:t>9/29/20</a:t>
             </a:fld>
             <a:endParaRPr lang="en-US"/>
           </a:p>
@@ -667,7 +667,7 @@
           <a:p>
             <a:fld id="{9D60FDD3-3AC9-FB42-8DB5-9B0E1A4649AE}" type="datetimeFigureOut">
               <a:rPr lang="en-US" smtClean="0"/>
-              <a:t>9/25/20</a:t>
+              <a:t>9/29/20</a:t>
             </a:fld>
             <a:endParaRPr lang="en-US"/>
           </a:p>
@@ -865,7 +865,7 @@
           <a:p>
             <a:fld id="{9D60FDD3-3AC9-FB42-8DB5-9B0E1A4649AE}" type="datetimeFigureOut">
               <a:rPr lang="en-US" smtClean="0"/>
-              <a:t>9/25/20</a:t>
+              <a:t>9/29/20</a:t>
             </a:fld>
             <a:endParaRPr lang="en-US"/>
           </a:p>
@@ -1140,7 +1140,7 @@
           <a:p>
             <a:fld id="{9D60FDD3-3AC9-FB42-8DB5-9B0E1A4649AE}" type="datetimeFigureOut">
               <a:rPr lang="en-US" smtClean="0"/>
-              <a:t>9/25/20</a:t>
+              <a:t>9/29/20</a:t>
             </a:fld>
             <a:endParaRPr lang="en-US"/>
           </a:p>
@@ -1405,7 +1405,7 @@
           <a:p>
             <a:fld id="{9D60FDD3-3AC9-FB42-8DB5-9B0E1A4649AE}" type="datetimeFigureOut">
               <a:rPr lang="en-US" smtClean="0"/>
-              <a:t>9/25/20</a:t>
+              <a:t>9/29/20</a:t>
             </a:fld>
             <a:endParaRPr lang="en-US"/>
           </a:p>
@@ -1817,7 +1817,7 @@
           <a:p>
             <a:fld id="{9D60FDD3-3AC9-FB42-8DB5-9B0E1A4649AE}" type="datetimeFigureOut">
               <a:rPr lang="en-US" smtClean="0"/>
-              <a:t>9/25/20</a:t>
+              <a:t>9/29/20</a:t>
             </a:fld>
             <a:endParaRPr lang="en-US"/>
           </a:p>
@@ -1958,7 +1958,7 @@
           <a:p>
             <a:fld id="{9D60FDD3-3AC9-FB42-8DB5-9B0E1A4649AE}" type="datetimeFigureOut">
               <a:rPr lang="en-US" smtClean="0"/>
-              <a:t>9/25/20</a:t>
+              <a:t>9/29/20</a:t>
             </a:fld>
             <a:endParaRPr lang="en-US"/>
           </a:p>
@@ -2071,7 +2071,7 @@
           <a:p>
             <a:fld id="{9D60FDD3-3AC9-FB42-8DB5-9B0E1A4649AE}" type="datetimeFigureOut">
               <a:rPr lang="en-US" smtClean="0"/>
-              <a:t>9/25/20</a:t>
+              <a:t>9/29/20</a:t>
             </a:fld>
             <a:endParaRPr lang="en-US"/>
           </a:p>
@@ -2382,7 +2382,7 @@
           <a:p>
             <a:fld id="{9D60FDD3-3AC9-FB42-8DB5-9B0E1A4649AE}" type="datetimeFigureOut">
               <a:rPr lang="en-US" smtClean="0"/>
-              <a:t>9/25/20</a:t>
+              <a:t>9/29/20</a:t>
             </a:fld>
             <a:endParaRPr lang="en-US"/>
           </a:p>
@@ -2670,7 +2670,7 @@
           <a:p>
             <a:fld id="{9D60FDD3-3AC9-FB42-8DB5-9B0E1A4649AE}" type="datetimeFigureOut">
               <a:rPr lang="en-US" smtClean="0"/>
-              <a:t>9/25/20</a:t>
+              <a:t>9/29/20</a:t>
             </a:fld>
             <a:endParaRPr lang="en-US"/>
           </a:p>
@@ -2911,7 +2911,7 @@
           <a:p>
             <a:fld id="{9D60FDD3-3AC9-FB42-8DB5-9B0E1A4649AE}" type="datetimeFigureOut">
               <a:rPr lang="en-US" smtClean="0"/>
-              <a:t>9/25/20</a:t>
+              <a:t>9/29/20</a:t>
             </a:fld>
             <a:endParaRPr lang="en-US"/>
           </a:p>
@@ -3431,7 +3431,7 @@
           <a:p>
             <a:r>
               <a:rPr lang="en-US" dirty="0"/>
-              <a:t>Cost Comparison</a:t>
+              <a:t>Cost Comparison (Double Power Flow)</a:t>
             </a:r>
           </a:p>
         </p:txBody>
@@ -3451,7 +3451,7 @@
           <p:nvPr>
             <p:extLst>
               <p:ext uri="{D42A27DB-BD31-4B8C-83A1-F6EECF244321}">
-                <p14:modId xmlns:p14="http://schemas.microsoft.com/office/powerpoint/2010/main" val="939163502"/>
+                <p14:modId xmlns:p14="http://schemas.microsoft.com/office/powerpoint/2010/main" val="2339542686"/>
               </p:ext>
             </p:extLst>
           </p:nvPr>
@@ -3734,6 +3734,12 @@
                         <a:t>Real time cost</a:t>
                       </a:r>
                     </a:p>
+                    <a:p>
+                      <a:r>
+                        <a:rPr lang="en-US" dirty="0"/>
+                        <a:t>(5:00-8:00 Cost)</a:t>
+                      </a:r>
+                    </a:p>
                   </a:txBody>
                   <a:tcPr/>
                 </a:tc>
@@ -3786,6 +3792,12 @@
                         <a:t>42,957</a:t>
                       </a:r>
                     </a:p>
+                    <a:p>
+                      <a:r>
+                        <a:rPr lang="en-US" dirty="0"/>
+                        <a:t>(12,286)</a:t>
+                      </a:r>
+                    </a:p>
                   </a:txBody>
                   <a:tcPr/>
                 </a:tc>
@@ -3799,6 +3811,12 @@
                         <a:t>43,149</a:t>
                       </a:r>
                     </a:p>
+                    <a:p>
+                      <a:r>
+                        <a:rPr lang="en-US" dirty="0"/>
+                        <a:t>(12,168)</a:t>
+                      </a:r>
+                    </a:p>
                   </a:txBody>
                   <a:tcPr/>
                 </a:tc>
@@ -3810,6 +3828,12 @@
                       <a:r>
                         <a:rPr lang="en-US" dirty="0"/>
                         <a:t>42,778</a:t>
+                      </a:r>
+                    </a:p>
+                    <a:p>
+                      <a:r>
+                        <a:rPr lang="en-US" dirty="0"/>
+                        <a:t>(12,179)</a:t>
                       </a:r>
                     </a:p>
                   </a:txBody>
@@ -3902,7 +3926,7 @@
                     <a:p>
                       <a:r>
                         <a:rPr lang="en-US" dirty="0"/>
-                        <a:t>122.78</a:t>
+                        <a:t>122.77</a:t>
                       </a:r>
                     </a:p>
                   </a:txBody>
@@ -3987,20 +4011,20 @@
                     <a:p>
                       <a:r>
                         <a:rPr lang="en-US" dirty="0"/>
-                        <a:t>1,261,600</a:t>
-                      </a:r>
-                    </a:p>
-                  </a:txBody>
-                  <a:tcPr/>
-                </a:tc>
-                <a:tc>
-                  <a:txBody>
-                    <a:bodyPr/>
-                    <a:lstStyle/>
-                    <a:p>
-                      <a:r>
-                        <a:rPr lang="en-US" dirty="0"/>
-                        <a:t>1,635,300</a:t>
+                        <a:t>1,262,500</a:t>
+                      </a:r>
+                    </a:p>
+                  </a:txBody>
+                  <a:tcPr/>
+                </a:tc>
+                <a:tc>
+                  <a:txBody>
+                    <a:bodyPr/>
+                    <a:lstStyle/>
+                    <a:p>
+                      <a:r>
+                        <a:rPr lang="en-US" dirty="0"/>
+                        <a:t>1,638,300</a:t>
                       </a:r>
                     </a:p>
                   </a:txBody>
@@ -4030,7 +4054,7 @@
                       </a:pPr>
                       <a:r>
                         <a:rPr lang="en-US" dirty="0"/>
-                        <a:t>1,248,600</a:t>
+                        <a:t>1,258,600</a:t>
                       </a:r>
                     </a:p>
                     <a:p>
@@ -4063,7 +4087,7 @@
 </file>
 
 <file path=ppt/slides/slide3.xml><?xml version="1.0" encoding="utf-8"?>
-<p:sld xmlns:a="http://schemas.openxmlformats.org/drawingml/2006/main" xmlns:r="http://schemas.openxmlformats.org/officeDocument/2006/relationships" xmlns:p="http://schemas.openxmlformats.org/presentationml/2006/main">
+<p:sld xmlns:a="http://schemas.openxmlformats.org/drawingml/2006/main" xmlns:r="http://schemas.openxmlformats.org/officeDocument/2006/relationships" xmlns:p="http://schemas.openxmlformats.org/presentationml/2006/main" show="0">
   <p:cSld>
     <p:spTree>
       <p:nvGrpSpPr>
@@ -4122,7 +4146,7 @@
           <p:nvPr>
             <p:extLst>
               <p:ext uri="{D42A27DB-BD31-4B8C-83A1-F6EECF244321}">
-                <p14:modId xmlns:p14="http://schemas.microsoft.com/office/powerpoint/2010/main" val="27530794"/>
+                <p14:modId xmlns:p14="http://schemas.microsoft.com/office/powerpoint/2010/main" val="3592868550"/>
               </p:ext>
             </p:extLst>
           </p:nvPr>
@@ -4704,7 +4728,7 @@
                     <a:p>
                       <a:r>
                         <a:rPr lang="en-US" dirty="0"/>
-                        <a:t>12,505,000</a:t>
+                        <a:t>12,520,000</a:t>
                       </a:r>
                     </a:p>
                   </a:txBody>
